--- a/Twitter/Twitter Powerpoint.pptx
+++ b/Twitter/Twitter Powerpoint.pptx
@@ -15,9 +15,9 @@
     <p:sldId id="270" r:id="rId9"/>
     <p:sldId id="283" r:id="rId10"/>
     <p:sldId id="272" r:id="rId11"/>
-    <p:sldId id="273" r:id="rId12"/>
-    <p:sldId id="285" r:id="rId13"/>
-    <p:sldId id="282" r:id="rId14"/>
+    <p:sldId id="282" r:id="rId12"/>
+    <p:sldId id="273" r:id="rId13"/>
+    <p:sldId id="285" r:id="rId14"/>
     <p:sldId id="257" r:id="rId15"/>
     <p:sldId id="260" r:id="rId16"/>
     <p:sldId id="259" r:id="rId17"/>
@@ -646,7 +646,7 @@
           <a:p>
             <a:fld id="{1E01D54F-16AD-4B8B-B0FD-7F3DFE2D20E8}" type="datetimeFigureOut">
               <a:rPr lang="en-US" smtClean="0"/>
-              <a:t>2/5/2015</a:t>
+              <a:t>2/6/2015</a:t>
             </a:fld>
             <a:endParaRPr lang="en-US"/>
           </a:p>
@@ -942,7 +942,7 @@
           <a:p>
             <a:fld id="{1E01D54F-16AD-4B8B-B0FD-7F3DFE2D20E8}" type="datetimeFigureOut">
               <a:rPr lang="en-US" smtClean="0"/>
-              <a:t>2/5/2015</a:t>
+              <a:t>2/6/2015</a:t>
             </a:fld>
             <a:endParaRPr lang="en-US"/>
           </a:p>
@@ -1190,7 +1190,7 @@
           <a:p>
             <a:fld id="{1E01D54F-16AD-4B8B-B0FD-7F3DFE2D20E8}" type="datetimeFigureOut">
               <a:rPr lang="en-US" smtClean="0"/>
-              <a:t>2/5/2015</a:t>
+              <a:t>2/6/2015</a:t>
             </a:fld>
             <a:endParaRPr lang="en-US"/>
           </a:p>
@@ -1730,7 +1730,7 @@
           <a:p>
             <a:fld id="{1E01D54F-16AD-4B8B-B0FD-7F3DFE2D20E8}" type="datetimeFigureOut">
               <a:rPr lang="en-US" smtClean="0"/>
-              <a:t>2/5/2015</a:t>
+              <a:t>2/6/2015</a:t>
             </a:fld>
             <a:endParaRPr lang="en-US"/>
           </a:p>
@@ -1978,7 +1978,7 @@
           <a:p>
             <a:fld id="{1E01D54F-16AD-4B8B-B0FD-7F3DFE2D20E8}" type="datetimeFigureOut">
               <a:rPr lang="en-US" smtClean="0"/>
-              <a:t>2/5/2015</a:t>
+              <a:t>2/6/2015</a:t>
             </a:fld>
             <a:endParaRPr lang="en-US"/>
           </a:p>
@@ -2510,7 +2510,7 @@
           <a:p>
             <a:fld id="{1E01D54F-16AD-4B8B-B0FD-7F3DFE2D20E8}" type="datetimeFigureOut">
               <a:rPr lang="en-US" smtClean="0"/>
-              <a:t>2/5/2015</a:t>
+              <a:t>2/6/2015</a:t>
             </a:fld>
             <a:endParaRPr lang="en-US"/>
           </a:p>
@@ -2807,7 +2807,7 @@
           <a:p>
             <a:fld id="{1E01D54F-16AD-4B8B-B0FD-7F3DFE2D20E8}" type="datetimeFigureOut">
               <a:rPr lang="en-US" smtClean="0"/>
-              <a:t>2/5/2015</a:t>
+              <a:t>2/6/2015</a:t>
             </a:fld>
             <a:endParaRPr lang="en-US"/>
           </a:p>
@@ -2981,7 +2981,7 @@
           <a:p>
             <a:fld id="{1E01D54F-16AD-4B8B-B0FD-7F3DFE2D20E8}" type="datetimeFigureOut">
               <a:rPr lang="en-US" smtClean="0"/>
-              <a:t>2/5/2015</a:t>
+              <a:t>2/6/2015</a:t>
             </a:fld>
             <a:endParaRPr lang="en-US"/>
           </a:p>
@@ -3161,7 +3161,7 @@
           <a:p>
             <a:fld id="{1E01D54F-16AD-4B8B-B0FD-7F3DFE2D20E8}" type="datetimeFigureOut">
               <a:rPr lang="en-US" smtClean="0"/>
-              <a:t>2/5/2015</a:t>
+              <a:t>2/6/2015</a:t>
             </a:fld>
             <a:endParaRPr lang="en-US"/>
           </a:p>
@@ -3331,7 +3331,7 @@
           <a:p>
             <a:fld id="{1E01D54F-16AD-4B8B-B0FD-7F3DFE2D20E8}" type="datetimeFigureOut">
               <a:rPr lang="en-US" smtClean="0"/>
-              <a:t>2/5/2015</a:t>
+              <a:t>2/6/2015</a:t>
             </a:fld>
             <a:endParaRPr lang="en-US"/>
           </a:p>
@@ -3582,7 +3582,7 @@
           <a:p>
             <a:fld id="{1E01D54F-16AD-4B8B-B0FD-7F3DFE2D20E8}" type="datetimeFigureOut">
               <a:rPr lang="en-US" smtClean="0"/>
-              <a:t>2/5/2015</a:t>
+              <a:t>2/6/2015</a:t>
             </a:fld>
             <a:endParaRPr lang="en-US"/>
           </a:p>
@@ -3879,7 +3879,7 @@
           <a:p>
             <a:fld id="{1E01D54F-16AD-4B8B-B0FD-7F3DFE2D20E8}" type="datetimeFigureOut">
               <a:rPr lang="en-US" smtClean="0"/>
-              <a:t>2/5/2015</a:t>
+              <a:t>2/6/2015</a:t>
             </a:fld>
             <a:endParaRPr lang="en-US"/>
           </a:p>
@@ -4321,7 +4321,7 @@
           <a:p>
             <a:fld id="{1E01D54F-16AD-4B8B-B0FD-7F3DFE2D20E8}" type="datetimeFigureOut">
               <a:rPr lang="en-US" smtClean="0"/>
-              <a:t>2/5/2015</a:t>
+              <a:t>2/6/2015</a:t>
             </a:fld>
             <a:endParaRPr lang="en-US"/>
           </a:p>
@@ -4439,7 +4439,7 @@
           <a:p>
             <a:fld id="{1E01D54F-16AD-4B8B-B0FD-7F3DFE2D20E8}" type="datetimeFigureOut">
               <a:rPr lang="en-US" smtClean="0"/>
-              <a:t>2/5/2015</a:t>
+              <a:t>2/6/2015</a:t>
             </a:fld>
             <a:endParaRPr lang="en-US"/>
           </a:p>
@@ -4534,7 +4534,7 @@
           <a:p>
             <a:fld id="{1E01D54F-16AD-4B8B-B0FD-7F3DFE2D20E8}" type="datetimeFigureOut">
               <a:rPr lang="en-US" smtClean="0"/>
-              <a:t>2/5/2015</a:t>
+              <a:t>2/6/2015</a:t>
             </a:fld>
             <a:endParaRPr lang="en-US"/>
           </a:p>
@@ -4817,7 +4817,7 @@
           <a:p>
             <a:fld id="{1E01D54F-16AD-4B8B-B0FD-7F3DFE2D20E8}" type="datetimeFigureOut">
               <a:rPr lang="en-US" smtClean="0"/>
-              <a:t>2/5/2015</a:t>
+              <a:t>2/6/2015</a:t>
             </a:fld>
             <a:endParaRPr lang="en-US"/>
           </a:p>
@@ -5108,7 +5108,7 @@
           <a:p>
             <a:fld id="{1E01D54F-16AD-4B8B-B0FD-7F3DFE2D20E8}" type="datetimeFigureOut">
               <a:rPr lang="en-US" smtClean="0"/>
-              <a:t>2/5/2015</a:t>
+              <a:t>2/6/2015</a:t>
             </a:fld>
             <a:endParaRPr lang="en-US"/>
           </a:p>
@@ -5638,7 +5638,7 @@
           <a:p>
             <a:fld id="{1E01D54F-16AD-4B8B-B0FD-7F3DFE2D20E8}" type="datetimeFigureOut">
               <a:rPr lang="en-US" smtClean="0"/>
-              <a:t>2/5/2015</a:t>
+              <a:t>2/6/2015</a:t>
             </a:fld>
             <a:endParaRPr lang="en-US"/>
           </a:p>
@@ -6417,102 +6417,113 @@
         </p:nvSpPr>
         <p:spPr>
           <a:xfrm>
-            <a:off x="1484310" y="0"/>
+            <a:off x="1484310" y="10160"/>
             <a:ext cx="10018713" cy="1752599"/>
           </a:xfrm>
         </p:spPr>
         <p:txBody>
+          <a:bodyPr>
+            <a:normAutofit/>
+          </a:bodyPr>
+          <a:lstStyle/>
+          <a:p>
+            <a:r>
+              <a:rPr lang="en-US" dirty="0" smtClean="0"/>
+              <a:t>Using Twitter Streaming API to graphically represent “How America is feeling Right Now”</a:t>
+            </a:r>
+            <a:endParaRPr lang="en-US" dirty="0"/>
+          </a:p>
+        </p:txBody>
+      </p:sp>
+      <p:sp>
+        <p:nvSpPr>
+          <p:cNvPr id="3" name="Content Placeholder 2"/>
+          <p:cNvSpPr>
+            <a:spLocks noGrp="1"/>
+          </p:cNvSpPr>
+          <p:nvPr>
+            <p:ph idx="1"/>
+          </p:nvPr>
+        </p:nvSpPr>
+        <p:spPr/>
+        <p:txBody>
           <a:bodyPr/>
           <a:lstStyle/>
           <a:p>
             <a:r>
-              <a:rPr lang="en-US" dirty="0" smtClean="0"/>
-              <a:t>Case Study – </a:t>
-            </a:r>
-            <a:r>
-              <a:rPr lang="en-US" dirty="0" err="1" smtClean="0"/>
-              <a:t>Esri</a:t>
-            </a:r>
-            <a:r>
-              <a:rPr lang="en-US" dirty="0" smtClean="0"/>
-              <a:t> </a:t>
-            </a:r>
+              <a:rPr lang="en-US" dirty="0">
+                <a:hlinkClick r:id="rId2"/>
+              </a:rPr>
+              <a:t>http://pubnub.github.io/tweet-emotion</a:t>
+            </a:r>
+            <a:r>
+              <a:rPr lang="en-US" dirty="0" smtClean="0">
+                <a:hlinkClick r:id="rId2"/>
+              </a:rPr>
+              <a:t>/</a:t>
+            </a:r>
+            <a:endParaRPr lang="en-US" dirty="0" smtClean="0"/>
+          </a:p>
+          <a:p>
+            <a:r>
+              <a:rPr lang="en-US" dirty="0" smtClean="0">
+                <a:hlinkClick r:id="rId3"/>
+              </a:rPr>
+              <a:t>Source Code</a:t>
+            </a:r>
+            <a:endParaRPr lang="en-US" dirty="0" smtClean="0"/>
+          </a:p>
+          <a:p>
             <a:endParaRPr lang="en-US" dirty="0"/>
           </a:p>
-        </p:txBody>
-      </p:sp>
-      <p:sp>
-        <p:nvSpPr>
-          <p:cNvPr id="3" name="Content Placeholder 2"/>
-          <p:cNvSpPr>
-            <a:spLocks noGrp="1"/>
-          </p:cNvSpPr>
-          <p:nvPr>
-            <p:ph idx="1"/>
-          </p:nvPr>
-        </p:nvSpPr>
+          <a:p>
+            <a:endParaRPr lang="en-US" dirty="0" smtClean="0"/>
+          </a:p>
+          <a:p>
+            <a:endParaRPr lang="en-US" dirty="0"/>
+          </a:p>
+          <a:p>
+            <a:endParaRPr lang="en-US" dirty="0" smtClean="0"/>
+          </a:p>
+          <a:p>
+            <a:endParaRPr lang="en-US" dirty="0"/>
+          </a:p>
+          <a:p>
+            <a:endParaRPr lang="en-US" dirty="0" smtClean="0"/>
+          </a:p>
+          <a:p>
+            <a:endParaRPr lang="en-US" dirty="0"/>
+          </a:p>
+        </p:txBody>
+      </p:sp>
+      <p:pic>
+        <p:nvPicPr>
+          <p:cNvPr id="6" name="Picture 5"/>
+          <p:cNvPicPr>
+            <a:picLocks noChangeAspect="1"/>
+          </p:cNvPicPr>
+          <p:nvPr/>
+        </p:nvPicPr>
+        <p:blipFill>
+          <a:blip r:embed="rId4"/>
+          <a:stretch>
+            <a:fillRect/>
+          </a:stretch>
+        </p:blipFill>
         <p:spPr>
           <a:xfrm>
-            <a:off x="1484310" y="1676401"/>
-            <a:ext cx="10018713" cy="4114800"/>
+            <a:off x="2445541" y="3072244"/>
+            <a:ext cx="8096250" cy="3694316"/>
           </a:xfrm>
+          <a:prstGeom prst="rect">
+            <a:avLst/>
+          </a:prstGeom>
         </p:spPr>
-        <p:txBody>
-          <a:bodyPr/>
-          <a:lstStyle/>
-          <a:p>
-            <a:pPr marL="0" indent="0">
-              <a:buNone/>
-            </a:pPr>
-            <a:r>
-              <a:rPr lang="en-US" b="1" dirty="0" smtClean="0"/>
-              <a:t>Goal: Wanted </a:t>
-            </a:r>
-            <a:r>
-              <a:rPr lang="en-US" b="1" dirty="0"/>
-              <a:t>to use locations of Tweets to map weather trends in real time</a:t>
-            </a:r>
-          </a:p>
-          <a:p>
-            <a:pPr lvl="1"/>
-            <a:r>
-              <a:rPr lang="en-US" sz="2800" dirty="0"/>
-              <a:t>Streaming APIs</a:t>
-            </a:r>
-          </a:p>
-          <a:p>
-            <a:pPr lvl="2"/>
-            <a:r>
-              <a:rPr lang="en-US" sz="2400" dirty="0"/>
-              <a:t>No rate limits</a:t>
-            </a:r>
-          </a:p>
-          <a:p>
-            <a:pPr lvl="2"/>
-            <a:r>
-              <a:rPr lang="en-US" sz="2400" dirty="0"/>
-              <a:t>Filtered information for more precise data mining</a:t>
-            </a:r>
-          </a:p>
-          <a:p>
-            <a:pPr lvl="2"/>
-            <a:r>
-              <a:rPr lang="en-US" sz="2400" dirty="0"/>
-              <a:t>More information obtained this way when compared to the REST APIs</a:t>
-            </a:r>
-          </a:p>
-          <a:p>
-            <a:pPr marL="0" indent="0">
-              <a:buNone/>
-            </a:pPr>
-            <a:endParaRPr lang="en-US" dirty="0"/>
-          </a:p>
-        </p:txBody>
-      </p:sp>
+      </p:pic>
     </p:spTree>
     <p:extLst>
       <p:ext uri="{BB962C8B-B14F-4D97-AF65-F5344CB8AC3E}">
-        <p14:creationId xmlns:p14="http://schemas.microsoft.com/office/powerpoint/2010/main" val="4216959839"/>
+        <p14:creationId xmlns:p14="http://schemas.microsoft.com/office/powerpoint/2010/main" val="577204956"/>
       </p:ext>
     </p:extLst>
   </p:cSld>
@@ -6551,7 +6562,7 @@
         </p:nvSpPr>
         <p:spPr>
           <a:xfrm>
-            <a:off x="1484311" y="-86360"/>
+            <a:off x="1484310" y="0"/>
             <a:ext cx="10018713" cy="1752599"/>
           </a:xfrm>
         </p:spPr>
@@ -6559,65 +6570,94 @@
           <a:bodyPr/>
           <a:lstStyle/>
           <a:p>
-            <a:pPr algn="ctr"/>
+            <a:r>
+              <a:rPr lang="en-US" dirty="0" smtClean="0"/>
+              <a:t>Case Study – </a:t>
+            </a:r>
             <a:r>
               <a:rPr lang="en-US" dirty="0" err="1" smtClean="0"/>
               <a:t>Esri</a:t>
             </a:r>
             <a:r>
               <a:rPr lang="en-US" dirty="0" smtClean="0"/>
-              <a:t> – Black Friday Shopping</a:t>
+              <a:t> </a:t>
             </a:r>
             <a:endParaRPr lang="en-US" dirty="0"/>
           </a:p>
         </p:txBody>
       </p:sp>
-      <p:pic>
-        <p:nvPicPr>
-          <p:cNvPr id="2050" name="Picture 2" descr="Twitter trajectories all"/>
-          <p:cNvPicPr>
-            <a:picLocks noGrp="1" noChangeAspect="1" noChangeArrowheads="1"/>
-          </p:cNvPicPr>
+      <p:sp>
+        <p:nvSpPr>
+          <p:cNvPr id="3" name="Content Placeholder 2"/>
+          <p:cNvSpPr>
+            <a:spLocks noGrp="1"/>
+          </p:cNvSpPr>
           <p:nvPr>
             <p:ph idx="1"/>
           </p:nvPr>
-        </p:nvPicPr>
-        <p:blipFill>
-          <a:blip r:embed="rId2">
-            <a:extLst>
-              <a:ext uri="{28A0092B-C50C-407E-A947-70E740481C1C}">
-                <a14:useLocalDpi xmlns:a14="http://schemas.microsoft.com/office/drawing/2010/main" val="0"/>
-              </a:ext>
-            </a:extLst>
-          </a:blip>
-          <a:stretch>
-            <a:fillRect/>
-          </a:stretch>
-        </p:blipFill>
-        <p:spPr bwMode="auto">
+        </p:nvSpPr>
+        <p:spPr>
           <a:xfrm>
-            <a:off x="3843066" y="1666239"/>
-            <a:ext cx="5301202" cy="3997107"/>
+            <a:off x="1484310" y="1676401"/>
+            <a:ext cx="10018713" cy="4114800"/>
           </a:xfrm>
-          <a:prstGeom prst="rect">
-            <a:avLst/>
-          </a:prstGeom>
-          <a:noFill/>
-          <a:extLst>
-            <a:ext uri="{909E8E84-426E-40DD-AFC4-6F175D3DCCD1}">
-              <a14:hiddenFill xmlns:a14="http://schemas.microsoft.com/office/drawing/2010/main">
-                <a:solidFill>
-                  <a:srgbClr val="FFFFFF"/>
-                </a:solidFill>
-              </a14:hiddenFill>
-            </a:ext>
-          </a:extLst>
         </p:spPr>
-      </p:pic>
+        <p:txBody>
+          <a:bodyPr/>
+          <a:lstStyle/>
+          <a:p>
+            <a:pPr marL="0" indent="0">
+              <a:buNone/>
+            </a:pPr>
+            <a:r>
+              <a:rPr lang="en-US" b="1" dirty="0" smtClean="0"/>
+              <a:t>Goal: Wanted </a:t>
+            </a:r>
+            <a:r>
+              <a:rPr lang="en-US" b="1" dirty="0"/>
+              <a:t>to use locations of Tweets to map weather trends in real time</a:t>
+            </a:r>
+          </a:p>
+          <a:p>
+            <a:pPr lvl="1"/>
+            <a:r>
+              <a:rPr lang="en-US" sz="2800" dirty="0"/>
+              <a:t>Streaming APIs</a:t>
+            </a:r>
+          </a:p>
+          <a:p>
+            <a:pPr lvl="2"/>
+            <a:r>
+              <a:rPr lang="en-US" sz="2400" dirty="0"/>
+              <a:t>No rate limits</a:t>
+            </a:r>
+          </a:p>
+          <a:p>
+            <a:pPr lvl="2"/>
+            <a:r>
+              <a:rPr lang="en-US" sz="2400" dirty="0"/>
+              <a:t>Filtered information for more precise data mining</a:t>
+            </a:r>
+          </a:p>
+          <a:p>
+            <a:pPr lvl="2"/>
+            <a:r>
+              <a:rPr lang="en-US" sz="2400" dirty="0"/>
+              <a:t>More information obtained this way when compared to the REST APIs</a:t>
+            </a:r>
+          </a:p>
+          <a:p>
+            <a:pPr marL="0" indent="0">
+              <a:buNone/>
+            </a:pPr>
+            <a:endParaRPr lang="en-US" dirty="0"/>
+          </a:p>
+        </p:txBody>
+      </p:sp>
     </p:spTree>
     <p:extLst>
       <p:ext uri="{BB962C8B-B14F-4D97-AF65-F5344CB8AC3E}">
-        <p14:creationId xmlns:p14="http://schemas.microsoft.com/office/powerpoint/2010/main" val="2728768958"/>
+        <p14:creationId xmlns:p14="http://schemas.microsoft.com/office/powerpoint/2010/main" val="4216959839"/>
       </p:ext>
     </p:extLst>
   </p:cSld>
@@ -6656,113 +6696,72 @@
         </p:nvSpPr>
         <p:spPr>
           <a:xfrm>
-            <a:off x="1484310" y="10160"/>
+            <a:off x="1484311" y="-86360"/>
             <a:ext cx="10018713" cy="1752599"/>
           </a:xfrm>
         </p:spPr>
         <p:txBody>
-          <a:bodyPr>
-            <a:normAutofit/>
-          </a:bodyPr>
-          <a:lstStyle/>
-          <a:p>
-            <a:r>
-              <a:rPr lang="en-US" dirty="0" smtClean="0"/>
-              <a:t>Using Twitter Streaming API to graphically represent “How America is feeling Right Now”</a:t>
-            </a:r>
-            <a:endParaRPr lang="en-US" dirty="0"/>
-          </a:p>
-        </p:txBody>
-      </p:sp>
-      <p:sp>
-        <p:nvSpPr>
-          <p:cNvPr id="3" name="Content Placeholder 2"/>
-          <p:cNvSpPr>
-            <a:spLocks noGrp="1"/>
-          </p:cNvSpPr>
-          <p:nvPr>
-            <p:ph idx="1"/>
-          </p:nvPr>
-        </p:nvSpPr>
-        <p:spPr/>
-        <p:txBody>
           <a:bodyPr/>
           <a:lstStyle/>
           <a:p>
-            <a:r>
-              <a:rPr lang="en-US" dirty="0">
-                <a:hlinkClick r:id="rId2"/>
-              </a:rPr>
-              <a:t>http://pubnub.github.io/tweet-emotion</a:t>
-            </a:r>
-            <a:r>
-              <a:rPr lang="en-US" dirty="0" smtClean="0">
-                <a:hlinkClick r:id="rId2"/>
-              </a:rPr>
-              <a:t>/</a:t>
-            </a:r>
-            <a:endParaRPr lang="en-US" dirty="0" smtClean="0"/>
-          </a:p>
-          <a:p>
-            <a:r>
-              <a:rPr lang="en-US" dirty="0" smtClean="0">
-                <a:hlinkClick r:id="rId3"/>
-              </a:rPr>
-              <a:t>Source Code</a:t>
-            </a:r>
-            <a:endParaRPr lang="en-US" dirty="0" smtClean="0"/>
-          </a:p>
-          <a:p>
-            <a:endParaRPr lang="en-US" dirty="0"/>
-          </a:p>
-          <a:p>
-            <a:endParaRPr lang="en-US" dirty="0" smtClean="0"/>
-          </a:p>
-          <a:p>
-            <a:endParaRPr lang="en-US" dirty="0"/>
-          </a:p>
-          <a:p>
-            <a:endParaRPr lang="en-US" dirty="0" smtClean="0"/>
-          </a:p>
-          <a:p>
-            <a:endParaRPr lang="en-US" dirty="0"/>
-          </a:p>
-          <a:p>
-            <a:endParaRPr lang="en-US" dirty="0" smtClean="0"/>
-          </a:p>
-          <a:p>
+            <a:pPr algn="ctr"/>
+            <a:r>
+              <a:rPr lang="en-US" dirty="0" err="1" smtClean="0"/>
+              <a:t>Esri</a:t>
+            </a:r>
+            <a:r>
+              <a:rPr lang="en-US" dirty="0" smtClean="0"/>
+              <a:t> – Black Friday Shopping</a:t>
+            </a:r>
             <a:endParaRPr lang="en-US" dirty="0"/>
           </a:p>
         </p:txBody>
       </p:sp>
       <p:pic>
         <p:nvPicPr>
-          <p:cNvPr id="6" name="Picture 5"/>
+          <p:cNvPr id="2050" name="Picture 2" descr="Twitter trajectories all"/>
           <p:cNvPicPr>
-            <a:picLocks noChangeAspect="1"/>
+            <a:picLocks noGrp="1" noChangeAspect="1" noChangeArrowheads="1"/>
           </p:cNvPicPr>
-          <p:nvPr/>
+          <p:nvPr>
+            <p:ph idx="1"/>
+          </p:nvPr>
         </p:nvPicPr>
-        <p:blipFill>
-          <a:blip r:embed="rId4"/>
-          <a:stretch>
-            <a:fillRect/>
-          </a:stretch>
+        <p:blipFill rotWithShape="1">
+          <a:blip r:embed="rId2">
+            <a:extLst>
+              <a:ext uri="{28A0092B-C50C-407E-A947-70E740481C1C}">
+                <a14:useLocalDpi xmlns:a14="http://schemas.microsoft.com/office/drawing/2010/main" val="0"/>
+              </a:ext>
+            </a:extLst>
+          </a:blip>
+          <a:srcRect t="9124"/>
+          <a:stretch/>
         </p:blipFill>
-        <p:spPr>
+        <p:spPr bwMode="auto">
           <a:xfrm>
-            <a:off x="1123950" y="3144127"/>
-            <a:ext cx="8096250" cy="3694316"/>
+            <a:off x="2399681" y="1247521"/>
+            <a:ext cx="8187972" cy="5610479"/>
           </a:xfrm>
           <a:prstGeom prst="rect">
             <a:avLst/>
           </a:prstGeom>
+          <a:noFill/>
+          <a:extLst>
+            <a:ext uri="{909E8E84-426E-40DD-AFC4-6F175D3DCCD1}">
+              <a14:hiddenFill xmlns:a14="http://schemas.microsoft.com/office/drawing/2010/main">
+                <a:solidFill>
+                  <a:srgbClr val="FFFFFF"/>
+                </a:solidFill>
+              </a14:hiddenFill>
+            </a:ext>
+          </a:extLst>
         </p:spPr>
       </p:pic>
     </p:spTree>
     <p:extLst>
       <p:ext uri="{BB962C8B-B14F-4D97-AF65-F5344CB8AC3E}">
-        <p14:creationId xmlns:p14="http://schemas.microsoft.com/office/powerpoint/2010/main" val="577204956"/>
+        <p14:creationId xmlns:p14="http://schemas.microsoft.com/office/powerpoint/2010/main" val="2728768958"/>
       </p:ext>
     </p:extLst>
   </p:cSld>
@@ -7835,8 +7834,8 @@
         </p:blipFill>
         <p:spPr bwMode="auto">
           <a:xfrm>
-            <a:off x="3002372" y="1894840"/>
-            <a:ext cx="6982591" cy="3828674"/>
+            <a:off x="1775715" y="1411955"/>
+            <a:ext cx="9727310" cy="5333650"/>
           </a:xfrm>
           <a:prstGeom prst="rect">
             <a:avLst/>
@@ -7935,8 +7934,8 @@
         </p:blipFill>
         <p:spPr bwMode="auto">
           <a:xfrm>
-            <a:off x="3312372" y="1935479"/>
-            <a:ext cx="6362591" cy="3786087"/>
+            <a:off x="2011045" y="1627255"/>
+            <a:ext cx="8965246" cy="5334808"/>
           </a:xfrm>
           <a:prstGeom prst="rect">
             <a:avLst/>
@@ -8035,8 +8034,8 @@
         </p:blipFill>
         <p:spPr bwMode="auto">
           <a:xfrm>
-            <a:off x="4352773" y="1894839"/>
-            <a:ext cx="4281787" cy="4177815"/>
+            <a:off x="3568934" y="1752599"/>
+            <a:ext cx="5849465" cy="5707426"/>
           </a:xfrm>
           <a:prstGeom prst="rect">
             <a:avLst/>
@@ -8135,8 +8134,8 @@
         </p:blipFill>
         <p:spPr bwMode="auto">
           <a:xfrm>
-            <a:off x="2686189" y="2026919"/>
-            <a:ext cx="7614956" cy="3768941"/>
+            <a:off x="1764735" y="1752599"/>
+            <a:ext cx="9457864" cy="4681069"/>
           </a:xfrm>
           <a:prstGeom prst="rect">
             <a:avLst/>
@@ -8659,8 +8658,8 @@
         </p:blipFill>
         <p:spPr bwMode="auto">
           <a:xfrm>
-            <a:off x="2778706" y="2052319"/>
-            <a:ext cx="7264506" cy="4086284"/>
+            <a:off x="1609949" y="1456865"/>
+            <a:ext cx="9602020" cy="5401135"/>
           </a:xfrm>
           <a:prstGeom prst="rect">
             <a:avLst/>
@@ -14065,22 +14064,17 @@
         </p:blipFill>
         <p:spPr bwMode="auto">
           <a:xfrm>
-            <a:off x="3902773" y="1752599"/>
-            <a:ext cx="5181790" cy="4574550"/>
+            <a:off x="3232608" y="1418689"/>
+            <a:ext cx="6522119" cy="5757810"/>
           </a:xfrm>
           <a:prstGeom prst="rect">
             <a:avLst/>
           </a:prstGeom>
-          <a:noFill/>
-          <a:extLst>
-            <a:ext uri="{909E8E84-426E-40DD-AFC4-6F175D3DCCD1}">
-              <a14:hiddenFill xmlns:a14="http://schemas.microsoft.com/office/drawing/2010/main">
-                <a:solidFill>
-                  <a:srgbClr val="FFFFFF"/>
-                </a:solidFill>
-              </a14:hiddenFill>
-            </a:ext>
-          </a:extLst>
+          <a:blipFill>
+            <a:blip r:embed="rId3"/>
+            <a:tile tx="0" ty="0" sx="100000" sy="100000" flip="none" algn="tl"/>
+          </a:blipFill>
+          <a:extLst/>
         </p:spPr>
       </p:pic>
     </p:spTree>
